--- a/Documentation/Presentation & Pitch/Pitch.pptx
+++ b/Documentation/Presentation & Pitch/Pitch.pptx
@@ -269,7 +269,7 @@
           <a:p>
             <a:fld id="{71BA54BD-A0A7-4DD5-923A-D6997469A401}" type="datetimeFigureOut">
               <a:rPr lang="en-GB" smtClean="0"/>
-              <a:t>21/09/2018</a:t>
+              <a:t>24/09/2018</a:t>
             </a:fld>
             <a:endParaRPr lang="en-GB"/>
           </a:p>
@@ -469,7 +469,7 @@
           <a:p>
             <a:fld id="{71BA54BD-A0A7-4DD5-923A-D6997469A401}" type="datetimeFigureOut">
               <a:rPr lang="en-GB" smtClean="0"/>
-              <a:t>21/09/2018</a:t>
+              <a:t>24/09/2018</a:t>
             </a:fld>
             <a:endParaRPr lang="en-GB"/>
           </a:p>
@@ -679,7 +679,7 @@
           <a:p>
             <a:fld id="{71BA54BD-A0A7-4DD5-923A-D6997469A401}" type="datetimeFigureOut">
               <a:rPr lang="en-GB" smtClean="0"/>
-              <a:t>21/09/2018</a:t>
+              <a:t>24/09/2018</a:t>
             </a:fld>
             <a:endParaRPr lang="en-GB"/>
           </a:p>
@@ -879,7 +879,7 @@
           <a:p>
             <a:fld id="{71BA54BD-A0A7-4DD5-923A-D6997469A401}" type="datetimeFigureOut">
               <a:rPr lang="en-GB" smtClean="0"/>
-              <a:t>21/09/2018</a:t>
+              <a:t>24/09/2018</a:t>
             </a:fld>
             <a:endParaRPr lang="en-GB"/>
           </a:p>
@@ -1155,7 +1155,7 @@
           <a:p>
             <a:fld id="{71BA54BD-A0A7-4DD5-923A-D6997469A401}" type="datetimeFigureOut">
               <a:rPr lang="en-GB" smtClean="0"/>
-              <a:t>21/09/2018</a:t>
+              <a:t>24/09/2018</a:t>
             </a:fld>
             <a:endParaRPr lang="en-GB"/>
           </a:p>
@@ -1423,7 +1423,7 @@
           <a:p>
             <a:fld id="{71BA54BD-A0A7-4DD5-923A-D6997469A401}" type="datetimeFigureOut">
               <a:rPr lang="en-GB" smtClean="0"/>
-              <a:t>21/09/2018</a:t>
+              <a:t>24/09/2018</a:t>
             </a:fld>
             <a:endParaRPr lang="en-GB"/>
           </a:p>
@@ -1838,7 +1838,7 @@
           <a:p>
             <a:fld id="{71BA54BD-A0A7-4DD5-923A-D6997469A401}" type="datetimeFigureOut">
               <a:rPr lang="en-GB" smtClean="0"/>
-              <a:t>21/09/2018</a:t>
+              <a:t>24/09/2018</a:t>
             </a:fld>
             <a:endParaRPr lang="en-GB"/>
           </a:p>
@@ -1980,7 +1980,7 @@
           <a:p>
             <a:fld id="{71BA54BD-A0A7-4DD5-923A-D6997469A401}" type="datetimeFigureOut">
               <a:rPr lang="en-GB" smtClean="0"/>
-              <a:t>21/09/2018</a:t>
+              <a:t>24/09/2018</a:t>
             </a:fld>
             <a:endParaRPr lang="en-GB"/>
           </a:p>
@@ -2093,7 +2093,7 @@
           <a:p>
             <a:fld id="{71BA54BD-A0A7-4DD5-923A-D6997469A401}" type="datetimeFigureOut">
               <a:rPr lang="en-GB" smtClean="0"/>
-              <a:t>21/09/2018</a:t>
+              <a:t>24/09/2018</a:t>
             </a:fld>
             <a:endParaRPr lang="en-GB"/>
           </a:p>
@@ -2406,7 +2406,7 @@
           <a:p>
             <a:fld id="{71BA54BD-A0A7-4DD5-923A-D6997469A401}" type="datetimeFigureOut">
               <a:rPr lang="en-GB" smtClean="0"/>
-              <a:t>21/09/2018</a:t>
+              <a:t>24/09/2018</a:t>
             </a:fld>
             <a:endParaRPr lang="en-GB"/>
           </a:p>
@@ -2695,7 +2695,7 @@
           <a:p>
             <a:fld id="{71BA54BD-A0A7-4DD5-923A-D6997469A401}" type="datetimeFigureOut">
               <a:rPr lang="en-GB" smtClean="0"/>
-              <a:t>21/09/2018</a:t>
+              <a:t>24/09/2018</a:t>
             </a:fld>
             <a:endParaRPr lang="en-GB"/>
           </a:p>
@@ -2938,7 +2938,7 @@
           <a:p>
             <a:fld id="{71BA54BD-A0A7-4DD5-923A-D6997469A401}" type="datetimeFigureOut">
               <a:rPr lang="en-GB" smtClean="0"/>
-              <a:t>21/09/2018</a:t>
+              <a:t>24/09/2018</a:t>
             </a:fld>
             <a:endParaRPr lang="en-GB"/>
           </a:p>
@@ -5755,13 +5755,6 @@
             <a:pPr lvl="1"/>
             <a:r>
               <a:rPr lang="en-GB" sz="1800" dirty="0"/>
-              <a:t>Crossroads</a:t>
-            </a:r>
-          </a:p>
-          <a:p>
-            <a:pPr lvl="1"/>
-            <a:r>
-              <a:rPr lang="en-GB" sz="1800" dirty="0"/>
               <a:t>Motorway Merging</a:t>
             </a:r>
           </a:p>
@@ -6143,7 +6136,7 @@
           <a:graphicData uri="http://schemas.openxmlformats.org/presentationml/2006/ole">
             <mc:AlternateContent xmlns:mc="http://schemas.openxmlformats.org/markup-compatibility/2006">
               <mc:Choice xmlns:v="urn:schemas-microsoft-com:vml" Requires="v">
-                <p:oleObj spid="_x0000_s1030" name="Worksheet" r:id="rId3" imgW="11848901" imgH="12010910" progId="Excel.Sheet.12">
+                <p:oleObj spid="_x0000_s1031" name="Worksheet" r:id="rId3" imgW="11848901" imgH="12010910" progId="Excel.Sheet.12">
                   <p:embed/>
                 </p:oleObj>
               </mc:Choice>
